--- a/CNC Shield V3/CNC Shield Modifications.pptx
+++ b/CNC Shield V3/CNC Shield Modifications.pptx
@@ -289,7 +289,7 @@
             <a:fld id="{1D8BD707-D9CF-40AE-B4C6-C98DA3205C09}" type="datetimeFigureOut">
               <a:rPr lang="en-US" smtClean="0"/>
               <a:pPr/>
-              <a:t>11/10/2023</a:t>
+              <a:t>1/13/2024</a:t>
             </a:fld>
             <a:endParaRPr lang="en-US"/>
           </a:p>
@@ -456,7 +456,7 @@
             <a:fld id="{1D8BD707-D9CF-40AE-B4C6-C98DA3205C09}" type="datetimeFigureOut">
               <a:rPr lang="en-US" smtClean="0"/>
               <a:pPr/>
-              <a:t>11/10/2023</a:t>
+              <a:t>1/13/2024</a:t>
             </a:fld>
             <a:endParaRPr lang="en-US"/>
           </a:p>
@@ -633,7 +633,7 @@
             <a:fld id="{1D8BD707-D9CF-40AE-B4C6-C98DA3205C09}" type="datetimeFigureOut">
               <a:rPr lang="en-US" smtClean="0"/>
               <a:pPr/>
-              <a:t>11/10/2023</a:t>
+              <a:t>1/13/2024</a:t>
             </a:fld>
             <a:endParaRPr lang="en-US"/>
           </a:p>
@@ -800,7 +800,7 @@
             <a:fld id="{1D8BD707-D9CF-40AE-B4C6-C98DA3205C09}" type="datetimeFigureOut">
               <a:rPr lang="en-US" smtClean="0"/>
               <a:pPr/>
-              <a:t>11/10/2023</a:t>
+              <a:t>1/13/2024</a:t>
             </a:fld>
             <a:endParaRPr lang="en-US"/>
           </a:p>
@@ -1043,7 +1043,7 @@
             <a:fld id="{1D8BD707-D9CF-40AE-B4C6-C98DA3205C09}" type="datetimeFigureOut">
               <a:rPr lang="en-US" smtClean="0"/>
               <a:pPr/>
-              <a:t>11/10/2023</a:t>
+              <a:t>1/13/2024</a:t>
             </a:fld>
             <a:endParaRPr lang="en-US"/>
           </a:p>
@@ -1328,7 +1328,7 @@
             <a:fld id="{1D8BD707-D9CF-40AE-B4C6-C98DA3205C09}" type="datetimeFigureOut">
               <a:rPr lang="en-US" smtClean="0"/>
               <a:pPr/>
-              <a:t>11/10/2023</a:t>
+              <a:t>1/13/2024</a:t>
             </a:fld>
             <a:endParaRPr lang="en-US"/>
           </a:p>
@@ -1747,7 +1747,7 @@
             <a:fld id="{1D8BD707-D9CF-40AE-B4C6-C98DA3205C09}" type="datetimeFigureOut">
               <a:rPr lang="en-US" smtClean="0"/>
               <a:pPr/>
-              <a:t>11/10/2023</a:t>
+              <a:t>1/13/2024</a:t>
             </a:fld>
             <a:endParaRPr lang="en-US"/>
           </a:p>
@@ -1862,7 +1862,7 @@
             <a:fld id="{1D8BD707-D9CF-40AE-B4C6-C98DA3205C09}" type="datetimeFigureOut">
               <a:rPr lang="en-US" smtClean="0"/>
               <a:pPr/>
-              <a:t>11/10/2023</a:t>
+              <a:t>1/13/2024</a:t>
             </a:fld>
             <a:endParaRPr lang="en-US"/>
           </a:p>
@@ -1954,7 +1954,7 @@
             <a:fld id="{1D8BD707-D9CF-40AE-B4C6-C98DA3205C09}" type="datetimeFigureOut">
               <a:rPr lang="en-US" smtClean="0"/>
               <a:pPr/>
-              <a:t>11/10/2023</a:t>
+              <a:t>1/13/2024</a:t>
             </a:fld>
             <a:endParaRPr lang="en-US"/>
           </a:p>
@@ -2228,7 +2228,7 @@
             <a:fld id="{1D8BD707-D9CF-40AE-B4C6-C98DA3205C09}" type="datetimeFigureOut">
               <a:rPr lang="en-US" smtClean="0"/>
               <a:pPr/>
-              <a:t>11/10/2023</a:t>
+              <a:t>1/13/2024</a:t>
             </a:fld>
             <a:endParaRPr lang="en-US"/>
           </a:p>
@@ -2478,7 +2478,7 @@
             <a:fld id="{1D8BD707-D9CF-40AE-B4C6-C98DA3205C09}" type="datetimeFigureOut">
               <a:rPr lang="en-US" smtClean="0"/>
               <a:pPr/>
-              <a:t>11/10/2023</a:t>
+              <a:t>1/13/2024</a:t>
             </a:fld>
             <a:endParaRPr lang="en-US"/>
           </a:p>
@@ -2688,7 +2688,7 @@
             <a:fld id="{1D8BD707-D9CF-40AE-B4C6-C98DA3205C09}" type="datetimeFigureOut">
               <a:rPr lang="en-US" smtClean="0"/>
               <a:pPr/>
-              <a:t>11/10/2023</a:t>
+              <a:t>1/13/2024</a:t>
             </a:fld>
             <a:endParaRPr lang="en-US"/>
           </a:p>
@@ -3680,9 +3680,10 @@
           <a:lstStyle/>
           <a:p>
             <a:r>
-              <a:rPr lang="de-DE" dirty="0" smtClean="0"/>
-              <a:t>Fexible</a:t>
-            </a:r>
+              <a:rPr lang="de-DE" smtClean="0"/>
+              <a:t>Flexible</a:t>
+            </a:r>
+            <a:endParaRPr lang="de-DE" dirty="0" smtClean="0"/>
           </a:p>
           <a:p>
             <a:r>

--- a/CNC Shield V3/CNC Shield Modifications.pptx
+++ b/CNC Shield V3/CNC Shield Modifications.pptx
@@ -289,7 +289,7 @@
             <a:fld id="{1D8BD707-D9CF-40AE-B4C6-C98DA3205C09}" type="datetimeFigureOut">
               <a:rPr lang="en-US" smtClean="0"/>
               <a:pPr/>
-              <a:t>1/13/2024</a:t>
+              <a:t>5/16/2024</a:t>
             </a:fld>
             <a:endParaRPr lang="en-US"/>
           </a:p>
@@ -456,7 +456,7 @@
             <a:fld id="{1D8BD707-D9CF-40AE-B4C6-C98DA3205C09}" type="datetimeFigureOut">
               <a:rPr lang="en-US" smtClean="0"/>
               <a:pPr/>
-              <a:t>1/13/2024</a:t>
+              <a:t>5/16/2024</a:t>
             </a:fld>
             <a:endParaRPr lang="en-US"/>
           </a:p>
@@ -633,7 +633,7 @@
             <a:fld id="{1D8BD707-D9CF-40AE-B4C6-C98DA3205C09}" type="datetimeFigureOut">
               <a:rPr lang="en-US" smtClean="0"/>
               <a:pPr/>
-              <a:t>1/13/2024</a:t>
+              <a:t>5/16/2024</a:t>
             </a:fld>
             <a:endParaRPr lang="en-US"/>
           </a:p>
@@ -800,7 +800,7 @@
             <a:fld id="{1D8BD707-D9CF-40AE-B4C6-C98DA3205C09}" type="datetimeFigureOut">
               <a:rPr lang="en-US" smtClean="0"/>
               <a:pPr/>
-              <a:t>1/13/2024</a:t>
+              <a:t>5/16/2024</a:t>
             </a:fld>
             <a:endParaRPr lang="en-US"/>
           </a:p>
@@ -1043,7 +1043,7 @@
             <a:fld id="{1D8BD707-D9CF-40AE-B4C6-C98DA3205C09}" type="datetimeFigureOut">
               <a:rPr lang="en-US" smtClean="0"/>
               <a:pPr/>
-              <a:t>1/13/2024</a:t>
+              <a:t>5/16/2024</a:t>
             </a:fld>
             <a:endParaRPr lang="en-US"/>
           </a:p>
@@ -1328,7 +1328,7 @@
             <a:fld id="{1D8BD707-D9CF-40AE-B4C6-C98DA3205C09}" type="datetimeFigureOut">
               <a:rPr lang="en-US" smtClean="0"/>
               <a:pPr/>
-              <a:t>1/13/2024</a:t>
+              <a:t>5/16/2024</a:t>
             </a:fld>
             <a:endParaRPr lang="en-US"/>
           </a:p>
@@ -1747,7 +1747,7 @@
             <a:fld id="{1D8BD707-D9CF-40AE-B4C6-C98DA3205C09}" type="datetimeFigureOut">
               <a:rPr lang="en-US" smtClean="0"/>
               <a:pPr/>
-              <a:t>1/13/2024</a:t>
+              <a:t>5/16/2024</a:t>
             </a:fld>
             <a:endParaRPr lang="en-US"/>
           </a:p>
@@ -1862,7 +1862,7 @@
             <a:fld id="{1D8BD707-D9CF-40AE-B4C6-C98DA3205C09}" type="datetimeFigureOut">
               <a:rPr lang="en-US" smtClean="0"/>
               <a:pPr/>
-              <a:t>1/13/2024</a:t>
+              <a:t>5/16/2024</a:t>
             </a:fld>
             <a:endParaRPr lang="en-US"/>
           </a:p>
@@ -1954,7 +1954,7 @@
             <a:fld id="{1D8BD707-D9CF-40AE-B4C6-C98DA3205C09}" type="datetimeFigureOut">
               <a:rPr lang="en-US" smtClean="0"/>
               <a:pPr/>
-              <a:t>1/13/2024</a:t>
+              <a:t>5/16/2024</a:t>
             </a:fld>
             <a:endParaRPr lang="en-US"/>
           </a:p>
@@ -2228,7 +2228,7 @@
             <a:fld id="{1D8BD707-D9CF-40AE-B4C6-C98DA3205C09}" type="datetimeFigureOut">
               <a:rPr lang="en-US" smtClean="0"/>
               <a:pPr/>
-              <a:t>1/13/2024</a:t>
+              <a:t>5/16/2024</a:t>
             </a:fld>
             <a:endParaRPr lang="en-US"/>
           </a:p>
@@ -2478,7 +2478,7 @@
             <a:fld id="{1D8BD707-D9CF-40AE-B4C6-C98DA3205C09}" type="datetimeFigureOut">
               <a:rPr lang="en-US" smtClean="0"/>
               <a:pPr/>
-              <a:t>1/13/2024</a:t>
+              <a:t>5/16/2024</a:t>
             </a:fld>
             <a:endParaRPr lang="en-US"/>
           </a:p>
@@ -2688,7 +2688,7 @@
             <a:fld id="{1D8BD707-D9CF-40AE-B4C6-C98DA3205C09}" type="datetimeFigureOut">
               <a:rPr lang="en-US" smtClean="0"/>
               <a:pPr/>
-              <a:t>1/13/2024</a:t>
+              <a:t>5/16/2024</a:t>
             </a:fld>
             <a:endParaRPr lang="en-US"/>
           </a:p>
@@ -3330,8 +3330,8 @@
         </p:nvSpPr>
         <p:spPr>
           <a:xfrm>
-            <a:off x="7543800" y="4844534"/>
-            <a:ext cx="1143000" cy="646331"/>
+            <a:off x="7543800" y="4846558"/>
+            <a:ext cx="1524000" cy="369332"/>
           </a:xfrm>
           <a:prstGeom prst="rect">
             <a:avLst/>
@@ -3346,13 +3346,7 @@
           <a:p>
             <a:r>
               <a:rPr lang="de-DE" dirty="0" smtClean="0"/>
-              <a:t>External</a:t>
-            </a:r>
-          </a:p>
-          <a:p>
-            <a:r>
-              <a:rPr lang="de-DE" dirty="0" smtClean="0"/>
-              <a:t>  Reset</a:t>
+              <a:t>External Reset</a:t>
             </a:r>
             <a:endParaRPr lang="de-DE" dirty="0"/>
           </a:p>
@@ -3775,6 +3769,384 @@
               <a:rPr lang="de-DE" dirty="0" smtClean="0"/>
               <a:t>Indentification</a:t>
             </a:r>
+          </a:p>
+        </p:txBody>
+      </p:sp>
+      <p:cxnSp>
+        <p:nvCxnSpPr>
+          <p:cNvPr id="22" name="Straight Arrow Connector 21"/>
+          <p:cNvCxnSpPr/>
+          <p:nvPr/>
+        </p:nvCxnSpPr>
+        <p:spPr>
+          <a:xfrm>
+            <a:off x="6604913" y="4343400"/>
+            <a:ext cx="762000" cy="0"/>
+          </a:xfrm>
+          <a:prstGeom prst="straightConnector1">
+            <a:avLst/>
+          </a:prstGeom>
+          <a:ln>
+            <a:tailEnd type="arrow"/>
+          </a:ln>
+        </p:spPr>
+        <p:style>
+          <a:lnRef idx="2">
+            <a:schemeClr val="dk1"/>
+          </a:lnRef>
+          <a:fillRef idx="0">
+            <a:schemeClr val="dk1"/>
+          </a:fillRef>
+          <a:effectRef idx="1">
+            <a:schemeClr val="dk1"/>
+          </a:effectRef>
+          <a:fontRef idx="minor">
+            <a:schemeClr val="tx1"/>
+          </a:fontRef>
+        </p:style>
+      </p:cxnSp>
+      <p:sp>
+        <p:nvSpPr>
+          <p:cNvPr id="23" name="TextBox 22"/>
+          <p:cNvSpPr txBox="1"/>
+          <p:nvPr/>
+        </p:nvSpPr>
+        <p:spPr>
+          <a:xfrm>
+            <a:off x="7543800" y="4158734"/>
+            <a:ext cx="1219200" cy="369332"/>
+          </a:xfrm>
+          <a:prstGeom prst="rect">
+            <a:avLst/>
+          </a:prstGeom>
+          <a:noFill/>
+        </p:spPr>
+        <p:txBody>
+          <a:bodyPr wrap="square" rtlCol="0">
+            <a:spAutoFit/>
+          </a:bodyPr>
+          <a:lstStyle/>
+          <a:p>
+            <a:r>
+              <a:rPr lang="de-DE" dirty="0" smtClean="0"/>
+              <a:t>(Blue LED)</a:t>
+            </a:r>
+            <a:endParaRPr lang="de-DE" dirty="0"/>
+          </a:p>
+        </p:txBody>
+      </p:sp>
+      <p:cxnSp>
+        <p:nvCxnSpPr>
+          <p:cNvPr id="29" name="Straight Arrow Connector 28"/>
+          <p:cNvCxnSpPr/>
+          <p:nvPr/>
+        </p:nvCxnSpPr>
+        <p:spPr>
+          <a:xfrm>
+            <a:off x="6592681" y="4804648"/>
+            <a:ext cx="762000" cy="0"/>
+          </a:xfrm>
+          <a:prstGeom prst="straightConnector1">
+            <a:avLst/>
+          </a:prstGeom>
+          <a:ln>
+            <a:tailEnd type="arrow"/>
+          </a:ln>
+        </p:spPr>
+        <p:style>
+          <a:lnRef idx="2">
+            <a:schemeClr val="dk1"/>
+          </a:lnRef>
+          <a:fillRef idx="0">
+            <a:schemeClr val="dk1"/>
+          </a:fillRef>
+          <a:effectRef idx="1">
+            <a:schemeClr val="dk1"/>
+          </a:effectRef>
+          <a:fontRef idx="minor">
+            <a:schemeClr val="tx1"/>
+          </a:fontRef>
+        </p:style>
+      </p:cxnSp>
+      <p:cxnSp>
+        <p:nvCxnSpPr>
+          <p:cNvPr id="30" name="Straight Arrow Connector 29"/>
+          <p:cNvCxnSpPr/>
+          <p:nvPr/>
+        </p:nvCxnSpPr>
+        <p:spPr>
+          <a:xfrm>
+            <a:off x="6592681" y="4114800"/>
+            <a:ext cx="762000" cy="0"/>
+          </a:xfrm>
+          <a:prstGeom prst="straightConnector1">
+            <a:avLst/>
+          </a:prstGeom>
+          <a:ln>
+            <a:tailEnd type="arrow"/>
+          </a:ln>
+        </p:spPr>
+        <p:style>
+          <a:lnRef idx="2">
+            <a:schemeClr val="dk1"/>
+          </a:lnRef>
+          <a:fillRef idx="0">
+            <a:schemeClr val="dk1"/>
+          </a:fillRef>
+          <a:effectRef idx="1">
+            <a:schemeClr val="dk1"/>
+          </a:effectRef>
+          <a:fontRef idx="minor">
+            <a:schemeClr val="tx1"/>
+          </a:fontRef>
+        </p:style>
+      </p:cxnSp>
+      <p:sp>
+        <p:nvSpPr>
+          <p:cNvPr id="33" name="TextBox 32"/>
+          <p:cNvSpPr txBox="1"/>
+          <p:nvPr/>
+        </p:nvSpPr>
+        <p:spPr>
+          <a:xfrm>
+            <a:off x="7543800" y="4619982"/>
+            <a:ext cx="1371600" cy="369332"/>
+          </a:xfrm>
+          <a:prstGeom prst="rect">
+            <a:avLst/>
+          </a:prstGeom>
+          <a:noFill/>
+        </p:spPr>
+        <p:txBody>
+          <a:bodyPr wrap="square" rtlCol="0">
+            <a:spAutoFit/>
+          </a:bodyPr>
+          <a:lstStyle/>
+          <a:p>
+            <a:r>
+              <a:rPr lang="de-DE" dirty="0" smtClean="0"/>
+              <a:t>(Endstop D)</a:t>
+            </a:r>
+            <a:endParaRPr lang="de-DE" dirty="0"/>
+          </a:p>
+        </p:txBody>
+      </p:sp>
+      <p:sp>
+        <p:nvSpPr>
+          <p:cNvPr id="34" name="TextBox 33"/>
+          <p:cNvSpPr txBox="1"/>
+          <p:nvPr/>
+        </p:nvSpPr>
+        <p:spPr>
+          <a:xfrm>
+            <a:off x="7543800" y="3886200"/>
+            <a:ext cx="1295400" cy="369332"/>
+          </a:xfrm>
+          <a:prstGeom prst="rect">
+            <a:avLst/>
+          </a:prstGeom>
+          <a:noFill/>
+        </p:spPr>
+        <p:txBody>
+          <a:bodyPr wrap="square" rtlCol="0">
+            <a:spAutoFit/>
+          </a:bodyPr>
+          <a:lstStyle/>
+          <a:p>
+            <a:r>
+              <a:rPr lang="de-DE" dirty="0" smtClean="0"/>
+              <a:t>(Endstop C)</a:t>
+            </a:r>
+            <a:endParaRPr lang="de-DE" dirty="0"/>
+          </a:p>
+        </p:txBody>
+      </p:sp>
+      <p:cxnSp>
+        <p:nvCxnSpPr>
+          <p:cNvPr id="35" name="Straight Arrow Connector 34"/>
+          <p:cNvCxnSpPr/>
+          <p:nvPr/>
+        </p:nvCxnSpPr>
+        <p:spPr>
+          <a:xfrm>
+            <a:off x="6604913" y="3886200"/>
+            <a:ext cx="762000" cy="0"/>
+          </a:xfrm>
+          <a:prstGeom prst="straightConnector1">
+            <a:avLst/>
+          </a:prstGeom>
+          <a:ln>
+            <a:tailEnd type="arrow"/>
+          </a:ln>
+        </p:spPr>
+        <p:style>
+          <a:lnRef idx="2">
+            <a:schemeClr val="dk1"/>
+          </a:lnRef>
+          <a:fillRef idx="0">
+            <a:schemeClr val="dk1"/>
+          </a:fillRef>
+          <a:effectRef idx="1">
+            <a:schemeClr val="dk1"/>
+          </a:effectRef>
+          <a:fontRef idx="minor">
+            <a:schemeClr val="tx1"/>
+          </a:fontRef>
+        </p:style>
+      </p:cxnSp>
+      <p:cxnSp>
+        <p:nvCxnSpPr>
+          <p:cNvPr id="36" name="Straight Arrow Connector 35"/>
+          <p:cNvCxnSpPr/>
+          <p:nvPr/>
+        </p:nvCxnSpPr>
+        <p:spPr>
+          <a:xfrm>
+            <a:off x="6613358" y="3657600"/>
+            <a:ext cx="762000" cy="0"/>
+          </a:xfrm>
+          <a:prstGeom prst="straightConnector1">
+            <a:avLst/>
+          </a:prstGeom>
+          <a:ln>
+            <a:tailEnd type="arrow"/>
+          </a:ln>
+        </p:spPr>
+        <p:style>
+          <a:lnRef idx="2">
+            <a:schemeClr val="dk1"/>
+          </a:lnRef>
+          <a:fillRef idx="0">
+            <a:schemeClr val="dk1"/>
+          </a:fillRef>
+          <a:effectRef idx="1">
+            <a:schemeClr val="dk1"/>
+          </a:effectRef>
+          <a:fontRef idx="minor">
+            <a:schemeClr val="tx1"/>
+          </a:fontRef>
+        </p:style>
+      </p:cxnSp>
+      <p:sp>
+        <p:nvSpPr>
+          <p:cNvPr id="37" name="TextBox 36"/>
+          <p:cNvSpPr txBox="1"/>
+          <p:nvPr/>
+        </p:nvSpPr>
+        <p:spPr>
+          <a:xfrm>
+            <a:off x="7543800" y="3451860"/>
+            <a:ext cx="1295400" cy="369332"/>
+          </a:xfrm>
+          <a:prstGeom prst="rect">
+            <a:avLst/>
+          </a:prstGeom>
+          <a:noFill/>
+        </p:spPr>
+        <p:txBody>
+          <a:bodyPr wrap="square" rtlCol="0">
+            <a:spAutoFit/>
+          </a:bodyPr>
+          <a:lstStyle/>
+          <a:p>
+            <a:r>
+              <a:rPr lang="de-DE" dirty="0" smtClean="0"/>
+              <a:t>(Step D)</a:t>
+            </a:r>
+            <a:endParaRPr lang="de-DE" dirty="0"/>
+          </a:p>
+        </p:txBody>
+      </p:sp>
+      <p:sp>
+        <p:nvSpPr>
+          <p:cNvPr id="38" name="TextBox 37"/>
+          <p:cNvSpPr txBox="1"/>
+          <p:nvPr/>
+        </p:nvSpPr>
+        <p:spPr>
+          <a:xfrm>
+            <a:off x="7543800" y="3657600"/>
+            <a:ext cx="1295400" cy="369332"/>
+          </a:xfrm>
+          <a:prstGeom prst="rect">
+            <a:avLst/>
+          </a:prstGeom>
+          <a:noFill/>
+        </p:spPr>
+        <p:txBody>
+          <a:bodyPr wrap="square" rtlCol="0">
+            <a:spAutoFit/>
+          </a:bodyPr>
+          <a:lstStyle/>
+          <a:p>
+            <a:r>
+              <a:rPr lang="de-DE" dirty="0" smtClean="0"/>
+              <a:t>(Dir C)</a:t>
+            </a:r>
+            <a:endParaRPr lang="de-DE" dirty="0"/>
+          </a:p>
+        </p:txBody>
+      </p:sp>
+      <p:cxnSp>
+        <p:nvCxnSpPr>
+          <p:cNvPr id="39" name="Straight Arrow Connector 38"/>
+          <p:cNvCxnSpPr/>
+          <p:nvPr/>
+        </p:nvCxnSpPr>
+        <p:spPr>
+          <a:xfrm>
+            <a:off x="6604913" y="4572000"/>
+            <a:ext cx="762000" cy="0"/>
+          </a:xfrm>
+          <a:prstGeom prst="straightConnector1">
+            <a:avLst/>
+          </a:prstGeom>
+          <a:ln>
+            <a:tailEnd type="arrow"/>
+          </a:ln>
+        </p:spPr>
+        <p:style>
+          <a:lnRef idx="2">
+            <a:schemeClr val="dk1"/>
+          </a:lnRef>
+          <a:fillRef idx="0">
+            <a:schemeClr val="dk1"/>
+          </a:fillRef>
+          <a:effectRef idx="1">
+            <a:schemeClr val="dk1"/>
+          </a:effectRef>
+          <a:fontRef idx="minor">
+            <a:schemeClr val="tx1"/>
+          </a:fontRef>
+        </p:style>
+      </p:cxnSp>
+      <p:sp>
+        <p:nvSpPr>
+          <p:cNvPr id="40" name="TextBox 39"/>
+          <p:cNvSpPr txBox="1"/>
+          <p:nvPr/>
+        </p:nvSpPr>
+        <p:spPr>
+          <a:xfrm>
+            <a:off x="7543800" y="4387334"/>
+            <a:ext cx="1219200" cy="369332"/>
+          </a:xfrm>
+          <a:prstGeom prst="rect">
+            <a:avLst/>
+          </a:prstGeom>
+          <a:noFill/>
+        </p:spPr>
+        <p:txBody>
+          <a:bodyPr wrap="square" rtlCol="0">
+            <a:spAutoFit/>
+          </a:bodyPr>
+          <a:lstStyle/>
+          <a:p>
+            <a:r>
+              <a:rPr lang="de-DE" smtClean="0"/>
+              <a:t>Ctrl1</a:t>
+            </a:r>
+            <a:endParaRPr lang="de-DE" dirty="0"/>
           </a:p>
         </p:txBody>
       </p:sp>
